--- a/presentation_for_pygame_project.pptx
+++ b/presentation_for_pygame_project.pptx
@@ -5,26 +5,27 @@
     <p:sldMasterId id="2147483659" r:id="rId1"/>
   </p:sldMasterIdLst>
   <p:notesMasterIdLst>
-    <p:notesMasterId r:id="rId9"/>
+    <p:notesMasterId r:id="rId10"/>
   </p:notesMasterIdLst>
   <p:sldIdLst>
     <p:sldId id="256" r:id="rId2"/>
     <p:sldId id="257" r:id="rId3"/>
     <p:sldId id="260" r:id="rId4"/>
     <p:sldId id="258" r:id="rId5"/>
-    <p:sldId id="259" r:id="rId6"/>
+    <p:sldId id="263" r:id="rId6"/>
     <p:sldId id="261" r:id="rId7"/>
     <p:sldId id="262" r:id="rId8"/>
+    <p:sldId id="265" r:id="rId9"/>
   </p:sldIdLst>
   <p:sldSz cx="9144000" cy="5143500" type="screen16x9"/>
   <p:notesSz cx="6858000" cy="9144000"/>
   <p:embeddedFontLst>
     <p:embeddedFont>
       <p:font typeface="Roboto" panose="020B0604020202020204" charset="0"/>
-      <p:regular r:id="rId10"/>
-      <p:bold r:id="rId11"/>
-      <p:italic r:id="rId12"/>
-      <p:boldItalic r:id="rId13"/>
+      <p:regular r:id="rId11"/>
+      <p:bold r:id="rId12"/>
+      <p:italic r:id="rId13"/>
+      <p:boldItalic r:id="rId14"/>
     </p:embeddedFont>
   </p:embeddedFontLst>
   <p:defaultTextStyle>
@@ -1059,7 +1060,7 @@
   <p:cSld>
     <p:spTree>
       <p:nvGrpSpPr>
-        <p:cNvPr id="1" name="Shape 106"/>
+        <p:cNvPr id="1" name="Shape 114"/>
         <p:cNvGrpSpPr/>
         <p:nvPr/>
       </p:nvGrpSpPr>
@@ -1073,7 +1074,7 @@
       </p:grpSpPr>
       <p:sp>
         <p:nvSpPr>
-          <p:cNvPr id="107" name="Google Shape;107;g341cbad5a22_0_107:notes"/>
+          <p:cNvPr id="115" name="Google Shape;115;g341cbad5a22_0_107:notes"/>
           <p:cNvSpPr>
             <a:spLocks noGrp="1" noRot="1" noChangeAspect="1"/>
           </p:cNvSpPr>
@@ -1114,7 +1115,7 @@
       </p:sp>
       <p:sp>
         <p:nvSpPr>
-          <p:cNvPr id="108" name="Google Shape;108;g341cbad5a22_0_107:notes"/>
+          <p:cNvPr id="116" name="Google Shape;116;g341cbad5a22_0_107:notes"/>
           <p:cNvSpPr txBox="1">
             <a:spLocks noGrp="1"/>
           </p:cNvSpPr>
@@ -1217,6 +1218,110 @@
         <p14:creationId xmlns:p14="http://schemas.microsoft.com/office/powerpoint/2010/main" val="1883384475"/>
       </p:ext>
     </p:extLst>
+  </p:cSld>
+  <p:clrMapOvr>
+    <a:masterClrMapping/>
+  </p:clrMapOvr>
+</p:notes>
+</file>
+
+<file path=ppt/notesSlides/notesSlide6.xml><?xml version="1.0" encoding="utf-8"?>
+<p:notes xmlns:a="http://schemas.openxmlformats.org/drawingml/2006/main" xmlns:r="http://schemas.openxmlformats.org/officeDocument/2006/relationships" xmlns:p="http://schemas.openxmlformats.org/presentationml/2006/main" showMasterSp="0" showMasterPhAnim="0">
+  <p:cSld>
+    <p:spTree>
+      <p:nvGrpSpPr>
+        <p:cNvPr id="1" name="Shape 140"/>
+        <p:cNvGrpSpPr/>
+        <p:nvPr/>
+      </p:nvGrpSpPr>
+      <p:grpSpPr>
+        <a:xfrm>
+          <a:off x="0" y="0"/>
+          <a:ext cx="0" cy="0"/>
+          <a:chOff x="0" y="0"/>
+          <a:chExt cx="0" cy="0"/>
+        </a:xfrm>
+      </p:grpSpPr>
+      <p:sp>
+        <p:nvSpPr>
+          <p:cNvPr id="141" name="Google Shape;141;g341d729bd5d_2_0:notes"/>
+          <p:cNvSpPr>
+            <a:spLocks noGrp="1" noRot="1" noChangeAspect="1"/>
+          </p:cNvSpPr>
+          <p:nvPr>
+            <p:ph type="sldImg" idx="2"/>
+          </p:nvPr>
+        </p:nvSpPr>
+        <p:spPr>
+          <a:xfrm>
+            <a:off x="381000" y="685800"/>
+            <a:ext cx="6096000" cy="3429000"/>
+          </a:xfrm>
+          <a:custGeom>
+            <a:avLst/>
+            <a:gdLst/>
+            <a:ahLst/>
+            <a:cxnLst/>
+            <a:rect l="l" t="t" r="r" b="b"/>
+            <a:pathLst>
+              <a:path w="120000" h="120000" extrusionOk="0">
+                <a:moveTo>
+                  <a:pt x="0" y="0"/>
+                </a:moveTo>
+                <a:lnTo>
+                  <a:pt x="120000" y="0"/>
+                </a:lnTo>
+                <a:lnTo>
+                  <a:pt x="120000" y="120000"/>
+                </a:lnTo>
+                <a:lnTo>
+                  <a:pt x="0" y="120000"/>
+                </a:lnTo>
+                <a:close/>
+              </a:path>
+            </a:pathLst>
+          </a:custGeom>
+        </p:spPr>
+      </p:sp>
+      <p:sp>
+        <p:nvSpPr>
+          <p:cNvPr id="142" name="Google Shape;142;g341d729bd5d_2_0:notes"/>
+          <p:cNvSpPr txBox="1">
+            <a:spLocks noGrp="1"/>
+          </p:cNvSpPr>
+          <p:nvPr>
+            <p:ph type="body" idx="1"/>
+          </p:nvPr>
+        </p:nvSpPr>
+        <p:spPr>
+          <a:xfrm>
+            <a:off x="685800" y="4343400"/>
+            <a:ext cx="5486400" cy="4114800"/>
+          </a:xfrm>
+          <a:prstGeom prst="rect">
+            <a:avLst/>
+          </a:prstGeom>
+        </p:spPr>
+        <p:txBody>
+          <a:bodyPr spcFirstLastPara="1" wrap="square" lIns="91425" tIns="91425" rIns="91425" bIns="91425" anchor="t" anchorCtr="0">
+            <a:noAutofit/>
+          </a:bodyPr>
+          <a:lstStyle/>
+          <a:p>
+            <a:pPr marL="0" lvl="0" indent="0" algn="l" rtl="0">
+              <a:spcBef>
+                <a:spcPts val="0"/>
+              </a:spcBef>
+              <a:spcAft>
+                <a:spcPts val="0"/>
+              </a:spcAft>
+              <a:buNone/>
+            </a:pPr>
+            <a:endParaRPr/>
+          </a:p>
+        </p:txBody>
+      </p:sp>
+    </p:spTree>
   </p:cSld>
   <p:clrMapOvr>
     <a:masterClrMapping/>
@@ -9325,7 +9430,7 @@
   <p:cSld>
     <p:spTree>
       <p:nvGrpSpPr>
-        <p:cNvPr id="1" name="Shape 109"/>
+        <p:cNvPr id="1" name="Shape 117"/>
         <p:cNvGrpSpPr/>
         <p:nvPr/>
       </p:nvGrpSpPr>
@@ -9339,7 +9444,7 @@
       </p:grpSpPr>
       <p:sp>
         <p:nvSpPr>
-          <p:cNvPr id="110" name="Google Shape;110;p16"/>
+          <p:cNvPr id="118" name="Google Shape;118;p17"/>
           <p:cNvSpPr txBox="1">
             <a:spLocks noGrp="1"/>
           </p:cNvSpPr>
@@ -9349,7 +9454,7 @@
         </p:nvSpPr>
         <p:spPr>
           <a:xfrm>
-            <a:off x="0" y="1575"/>
+            <a:off x="492675" y="543825"/>
             <a:ext cx="3360900" cy="622800"/>
           </a:xfrm>
           <a:prstGeom prst="rect">
@@ -9372,23 +9477,23 @@
               <a:buNone/>
             </a:pPr>
             <a:r>
-              <a:rPr lang="ru" sz="2400"/>
-              <a:t>Структура интерфейса</a:t>
+              <a:rPr lang="ru" sz="2622"/>
+              <a:t>Структура программы</a:t>
             </a:r>
-            <a:endParaRPr sz="2400"/>
+            <a:endParaRPr sz="2622"/>
           </a:p>
         </p:txBody>
       </p:sp>
       <p:sp>
         <p:nvSpPr>
-          <p:cNvPr id="111" name="Google Shape;111;p16"/>
+          <p:cNvPr id="119" name="Google Shape;119;p17"/>
           <p:cNvSpPr txBox="1"/>
           <p:nvPr/>
         </p:nvSpPr>
         <p:spPr>
           <a:xfrm>
-            <a:off x="49338" y="832250"/>
-            <a:ext cx="2912400" cy="461700"/>
+            <a:off x="-12" y="1799650"/>
+            <a:ext cx="2638500" cy="431100"/>
           </a:xfrm>
           <a:prstGeom prst="rect">
             <a:avLst/>
@@ -9414,7 +9519,7 @@
               <a:buNone/>
             </a:pPr>
             <a:r>
-              <a:rPr lang="ru" sz="1800">
+              <a:rPr lang="ru" sz="1600">
                 <a:solidFill>
                   <a:schemeClr val="lt1"/>
                 </a:solidFill>
@@ -9425,7 +9530,7 @@
               </a:rPr>
               <a:t>Окно регистрации/входа</a:t>
             </a:r>
-            <a:endParaRPr sz="1800">
+            <a:endParaRPr sz="1600">
               <a:solidFill>
                 <a:schemeClr val="lt1"/>
               </a:solidFill>
@@ -9439,7 +9544,7 @@
       </p:sp>
       <p:pic>
         <p:nvPicPr>
-          <p:cNvPr id="112" name="Google Shape;112;p16"/>
+          <p:cNvPr id="120" name="Google Shape;120;p17"/>
           <p:cNvPicPr preferRelativeResize="0"/>
           <p:nvPr/>
         </p:nvPicPr>
@@ -9453,8 +9558,8 @@
         </p:blipFill>
         <p:spPr>
           <a:xfrm>
-            <a:off x="3799925" y="662837"/>
-            <a:ext cx="2008324" cy="1841476"/>
+            <a:off x="5519300" y="562606"/>
+            <a:ext cx="1061001" cy="972869"/>
           </a:xfrm>
           <a:prstGeom prst="rect">
             <a:avLst/>
@@ -9467,7 +9572,7 @@
       </p:pic>
       <p:pic>
         <p:nvPicPr>
-          <p:cNvPr id="113" name="Google Shape;113;p16" title="Снимок экрана 2025-03-19 161839.png"/>
+          <p:cNvPr id="121" name="Google Shape;121;p17" title="Снимок экрана 2025-03-19 161839.png"/>
           <p:cNvPicPr preferRelativeResize="0"/>
           <p:nvPr/>
         </p:nvPicPr>
@@ -9481,8 +9586,8 @@
         </p:blipFill>
         <p:spPr>
           <a:xfrm>
-            <a:off x="6646412" y="3170925"/>
-            <a:ext cx="2008335" cy="1841476"/>
+            <a:off x="5519300" y="2957365"/>
+            <a:ext cx="1061000" cy="972836"/>
           </a:xfrm>
           <a:prstGeom prst="rect">
             <a:avLst/>
@@ -9495,7 +9600,7 @@
       </p:pic>
       <p:pic>
         <p:nvPicPr>
-          <p:cNvPr id="114" name="Google Shape;114;p16" title="Снимок экрана 2025-03-19 161821.png"/>
+          <p:cNvPr id="122" name="Google Shape;122;p17" title="Снимок экрана 2025-03-19 161821.png"/>
           <p:cNvPicPr preferRelativeResize="0"/>
           <p:nvPr/>
         </p:nvPicPr>
@@ -9509,8 +9614,8 @@
         </p:blipFill>
         <p:spPr>
           <a:xfrm>
-            <a:off x="6646425" y="654098"/>
-            <a:ext cx="2008325" cy="1858951"/>
+            <a:off x="6923100" y="1689987"/>
+            <a:ext cx="1060998" cy="982088"/>
           </a:xfrm>
           <a:prstGeom prst="rect">
             <a:avLst/>
@@ -9523,7 +9628,7 @@
       </p:pic>
       <p:pic>
         <p:nvPicPr>
-          <p:cNvPr id="115" name="Google Shape;115;p16" title="Снимок экрана 2025-03-19 161807.png"/>
+          <p:cNvPr id="123" name="Google Shape;123;p17" title="Снимок экрана 2025-03-19 161807.png"/>
           <p:cNvPicPr preferRelativeResize="0"/>
           <p:nvPr/>
         </p:nvPicPr>
@@ -9537,8 +9642,8 @@
         </p:blipFill>
         <p:spPr>
           <a:xfrm>
-            <a:off x="2411300" y="3305862"/>
-            <a:ext cx="1783351" cy="1706525"/>
+            <a:off x="3140250" y="2229450"/>
+            <a:ext cx="1061001" cy="1015299"/>
           </a:xfrm>
           <a:prstGeom prst="rect">
             <a:avLst/>
@@ -9551,7 +9656,7 @@
       </p:pic>
       <p:pic>
         <p:nvPicPr>
-          <p:cNvPr id="116" name="Google Shape;116;p16" title="Снимок экрана 2025-03-19 161720.png"/>
+          <p:cNvPr id="124" name="Google Shape;124;p17" title="Снимок экрана 2025-03-19 161720.png"/>
           <p:cNvPicPr preferRelativeResize="0"/>
           <p:nvPr/>
         </p:nvPicPr>
@@ -9565,8 +9670,8 @@
         </p:blipFill>
         <p:spPr>
           <a:xfrm>
-            <a:off x="519075" y="1329175"/>
-            <a:ext cx="1833525" cy="1488225"/>
+            <a:off x="492675" y="2229450"/>
+            <a:ext cx="1250867" cy="1015300"/>
           </a:xfrm>
           <a:prstGeom prst="rect">
             <a:avLst/>
@@ -9579,14 +9684,14 @@
       </p:pic>
       <p:sp>
         <p:nvSpPr>
-          <p:cNvPr id="117" name="Google Shape;117;p16"/>
+          <p:cNvPr id="125" name="Google Shape;125;p17"/>
           <p:cNvSpPr txBox="1"/>
           <p:nvPr/>
         </p:nvSpPr>
         <p:spPr>
           <a:xfrm>
-            <a:off x="3666213" y="188550"/>
-            <a:ext cx="2196000" cy="461700"/>
+            <a:off x="5045700" y="112725"/>
+            <a:ext cx="2008200" cy="431100"/>
           </a:xfrm>
           <a:prstGeom prst="rect">
             <a:avLst/>
@@ -9612,7 +9717,7 @@
               <a:buNone/>
             </a:pPr>
             <a:r>
-              <a:rPr lang="ru" sz="1800">
+              <a:rPr lang="ru" sz="1600">
                 <a:solidFill>
                   <a:schemeClr val="lt1"/>
                 </a:solidFill>
@@ -9623,7 +9728,7 @@
               </a:rPr>
               <a:t>Таблица рекордов</a:t>
             </a:r>
-            <a:endParaRPr sz="1800">
+            <a:endParaRPr sz="1600">
               <a:solidFill>
                 <a:schemeClr val="lt1"/>
               </a:solidFill>
@@ -9637,14 +9742,14 @@
       </p:sp>
       <p:sp>
         <p:nvSpPr>
-          <p:cNvPr id="118" name="Google Shape;118;p16"/>
+          <p:cNvPr id="126" name="Google Shape;126;p17"/>
           <p:cNvSpPr txBox="1"/>
           <p:nvPr/>
         </p:nvSpPr>
         <p:spPr>
           <a:xfrm>
-            <a:off x="6646500" y="2709225"/>
-            <a:ext cx="2008200" cy="461700"/>
+            <a:off x="5212602" y="2526275"/>
+            <a:ext cx="1746600" cy="431100"/>
           </a:xfrm>
           <a:prstGeom prst="rect">
             <a:avLst/>
@@ -9670,7 +9775,7 @@
               <a:buNone/>
             </a:pPr>
             <a:r>
-              <a:rPr lang="ru" sz="1800">
+              <a:rPr lang="ru" sz="1600">
                 <a:solidFill>
                   <a:schemeClr val="lt1"/>
                 </a:solidFill>
@@ -9681,7 +9786,7 @@
               </a:rPr>
               <a:t>Настройки игры</a:t>
             </a:r>
-            <a:endParaRPr sz="1800">
+            <a:endParaRPr sz="1600">
               <a:solidFill>
                 <a:schemeClr val="lt1"/>
               </a:solidFill>
@@ -9695,14 +9800,14 @@
       </p:sp>
       <p:sp>
         <p:nvSpPr>
-          <p:cNvPr id="119" name="Google Shape;119;p16"/>
+          <p:cNvPr id="127" name="Google Shape;127;p17"/>
           <p:cNvSpPr txBox="1"/>
           <p:nvPr/>
         </p:nvSpPr>
         <p:spPr>
           <a:xfrm>
-            <a:off x="7156187" y="188550"/>
-            <a:ext cx="988800" cy="461700"/>
+            <a:off x="7004500" y="1258875"/>
+            <a:ext cx="898200" cy="431100"/>
           </a:xfrm>
           <a:prstGeom prst="rect">
             <a:avLst/>
@@ -9728,7 +9833,7 @@
               <a:buNone/>
             </a:pPr>
             <a:r>
-              <a:rPr lang="ru" sz="1800">
+              <a:rPr lang="ru" sz="1600">
                 <a:solidFill>
                   <a:schemeClr val="lt1"/>
                 </a:solidFill>
@@ -9739,7 +9844,7 @@
               </a:rPr>
               <a:t>Уровни</a:t>
             </a:r>
-            <a:endParaRPr sz="1800">
+            <a:endParaRPr sz="1600">
               <a:solidFill>
                 <a:schemeClr val="lt1"/>
               </a:solidFill>
@@ -9753,14 +9858,14 @@
       </p:sp>
       <p:sp>
         <p:nvSpPr>
-          <p:cNvPr id="120" name="Google Shape;120;p16"/>
+          <p:cNvPr id="128" name="Google Shape;128;p17"/>
           <p:cNvSpPr txBox="1"/>
           <p:nvPr/>
         </p:nvSpPr>
         <p:spPr>
           <a:xfrm>
-            <a:off x="2411225" y="2852625"/>
-            <a:ext cx="1783500" cy="461700"/>
+            <a:off x="2932125" y="1627926"/>
+            <a:ext cx="1569900" cy="431100"/>
           </a:xfrm>
           <a:prstGeom prst="rect">
             <a:avLst/>
@@ -9786,7 +9891,7 @@
               <a:buNone/>
             </a:pPr>
             <a:r>
-              <a:rPr lang="ru" sz="1800">
+              <a:rPr lang="ru" sz="1600" dirty="0">
                 <a:solidFill>
                   <a:schemeClr val="lt1"/>
                 </a:solidFill>
@@ -9797,7 +9902,7 @@
               </a:rPr>
               <a:t>Главное меню</a:t>
             </a:r>
-            <a:endParaRPr sz="1800">
+            <a:endParaRPr sz="1600" dirty="0">
               <a:solidFill>
                 <a:schemeClr val="lt1"/>
               </a:solidFill>
@@ -9811,14 +9916,14 @@
       </p:sp>
       <p:cxnSp>
         <p:nvCxnSpPr>
-          <p:cNvPr id="121" name="Google Shape;121;p16"/>
+          <p:cNvPr id="129" name="Google Shape;129;p17"/>
           <p:cNvCxnSpPr/>
           <p:nvPr/>
         </p:nvCxnSpPr>
         <p:spPr>
-          <a:xfrm>
-            <a:off x="1378587" y="3005274"/>
-            <a:ext cx="833100" cy="1274100"/>
+          <a:xfrm rot="10800000" flipH="1">
+            <a:off x="1937625" y="2731175"/>
+            <a:ext cx="994500" cy="21300"/>
           </a:xfrm>
           <a:prstGeom prst="straightConnector1">
             <a:avLst/>
@@ -9837,14 +9942,14 @@
       </p:cxnSp>
       <p:cxnSp>
         <p:nvCxnSpPr>
-          <p:cNvPr id="122" name="Google Shape;122;p16"/>
+          <p:cNvPr id="130" name="Google Shape;130;p17"/>
           <p:cNvCxnSpPr/>
           <p:nvPr/>
         </p:nvCxnSpPr>
         <p:spPr>
-          <a:xfrm rot="10800000" flipH="1">
-            <a:off x="4406025" y="3879725"/>
-            <a:ext cx="2031600" cy="188100"/>
+          <a:xfrm>
+            <a:off x="4439875" y="2763150"/>
+            <a:ext cx="909000" cy="652200"/>
           </a:xfrm>
           <a:prstGeom prst="straightConnector1">
             <a:avLst/>
@@ -9863,14 +9968,14 @@
       </p:cxnSp>
       <p:cxnSp>
         <p:nvCxnSpPr>
-          <p:cNvPr id="123" name="Google Shape;123;p16"/>
+          <p:cNvPr id="131" name="Google Shape;131;p17"/>
           <p:cNvCxnSpPr/>
           <p:nvPr/>
         </p:nvCxnSpPr>
         <p:spPr>
           <a:xfrm rot="10800000" flipH="1">
-            <a:off x="4394275" y="2576175"/>
-            <a:ext cx="2043600" cy="1479900"/>
+            <a:off x="4429175" y="998450"/>
+            <a:ext cx="887700" cy="1775400"/>
           </a:xfrm>
           <a:prstGeom prst="straightConnector1">
             <a:avLst/>
@@ -9889,14 +9994,14 @@
       </p:cxnSp>
       <p:cxnSp>
         <p:nvCxnSpPr>
-          <p:cNvPr id="124" name="Google Shape;124;p16"/>
+          <p:cNvPr id="132" name="Google Shape;132;p17"/>
           <p:cNvCxnSpPr/>
           <p:nvPr/>
         </p:nvCxnSpPr>
         <p:spPr>
           <a:xfrm rot="10800000" flipH="1">
-            <a:off x="4394275" y="2693875"/>
-            <a:ext cx="410700" cy="1385700"/>
+            <a:off x="4418500" y="2196275"/>
+            <a:ext cx="2309700" cy="556200"/>
           </a:xfrm>
           <a:prstGeom prst="straightConnector1">
             <a:avLst/>
@@ -9915,14 +10020,14 @@
       </p:cxnSp>
       <p:sp>
         <p:nvSpPr>
-          <p:cNvPr id="125" name="Google Shape;125;p16"/>
+          <p:cNvPr id="133" name="Google Shape;133;p17"/>
           <p:cNvSpPr txBox="1"/>
           <p:nvPr/>
         </p:nvSpPr>
         <p:spPr>
           <a:xfrm>
-            <a:off x="8733000" y="4489200"/>
-            <a:ext cx="411000" cy="523190"/>
+            <a:off x="8627803" y="4458433"/>
+            <a:ext cx="411000" cy="553968"/>
           </a:xfrm>
           <a:prstGeom prst="rect">
             <a:avLst/>
@@ -9948,7 +10053,7 @@
               <a:buNone/>
             </a:pPr>
             <a:r>
-              <a:rPr lang="ru" sz="2200" dirty="0">
+              <a:rPr lang="en-US" sz="2400" b="1" dirty="0">
                 <a:solidFill>
                   <a:schemeClr val="lt1"/>
                 </a:solidFill>
@@ -9959,7 +10064,197 @@
               </a:rPr>
               <a:t>5</a:t>
             </a:r>
-            <a:endParaRPr sz="2800" dirty="0">
+            <a:endParaRPr sz="2400" b="1" dirty="0">
+              <a:solidFill>
+                <a:schemeClr val="lt1"/>
+              </a:solidFill>
+              <a:latin typeface="Roboto"/>
+              <a:ea typeface="Roboto"/>
+              <a:cs typeface="Roboto"/>
+              <a:sym typeface="Roboto"/>
+            </a:endParaRPr>
+          </a:p>
+        </p:txBody>
+      </p:sp>
+      <p:pic>
+        <p:nvPicPr>
+          <p:cNvPr id="134" name="Google Shape;134;p17" title="Снимок экрана 2025-03-19 161839.png"/>
+          <p:cNvPicPr preferRelativeResize="0"/>
+          <p:nvPr/>
+        </p:nvPicPr>
+        <p:blipFill>
+          <a:blip r:embed="rId4">
+            <a:alphaModFix/>
+          </a:blip>
+          <a:stretch>
+            <a:fillRect/>
+          </a:stretch>
+        </p:blipFill>
+        <p:spPr>
+          <a:xfrm>
+            <a:off x="6923100" y="4039565"/>
+            <a:ext cx="1061000" cy="972836"/>
+          </a:xfrm>
+          <a:prstGeom prst="rect">
+            <a:avLst/>
+          </a:prstGeom>
+          <a:noFill/>
+          <a:ln>
+            <a:noFill/>
+          </a:ln>
+        </p:spPr>
+      </p:pic>
+      <p:cxnSp>
+        <p:nvCxnSpPr>
+          <p:cNvPr id="135" name="Google Shape;135;p17"/>
+          <p:cNvCxnSpPr/>
+          <p:nvPr/>
+        </p:nvCxnSpPr>
+        <p:spPr>
+          <a:xfrm rot="10800000">
+            <a:off x="7444700" y="2902150"/>
+            <a:ext cx="0" cy="663000"/>
+          </a:xfrm>
+          <a:prstGeom prst="straightConnector1">
+            <a:avLst/>
+          </a:prstGeom>
+          <a:noFill/>
+          <a:ln w="28575" cap="flat" cmpd="sng">
+            <a:solidFill>
+              <a:schemeClr val="lt1"/>
+            </a:solidFill>
+            <a:prstDash val="solid"/>
+            <a:round/>
+            <a:headEnd type="none" w="med" len="med"/>
+            <a:tailEnd type="triangle" w="med" len="med"/>
+          </a:ln>
+        </p:spPr>
+      </p:cxnSp>
+      <p:cxnSp>
+        <p:nvCxnSpPr>
+          <p:cNvPr id="136" name="Google Shape;136;p17"/>
+          <p:cNvCxnSpPr/>
+          <p:nvPr/>
+        </p:nvCxnSpPr>
+        <p:spPr>
+          <a:xfrm flipH="1">
+            <a:off x="7444600" y="3073975"/>
+            <a:ext cx="900" cy="619500"/>
+          </a:xfrm>
+          <a:prstGeom prst="straightConnector1">
+            <a:avLst/>
+          </a:prstGeom>
+          <a:noFill/>
+          <a:ln w="28575" cap="flat" cmpd="sng">
+            <a:solidFill>
+              <a:schemeClr val="lt1"/>
+            </a:solidFill>
+            <a:prstDash val="solid"/>
+            <a:round/>
+            <a:headEnd type="none" w="med" len="med"/>
+            <a:tailEnd type="triangle" w="med" len="med"/>
+          </a:ln>
+        </p:spPr>
+      </p:cxnSp>
+      <p:cxnSp>
+        <p:nvCxnSpPr>
+          <p:cNvPr id="137" name="Google Shape;137;p17"/>
+          <p:cNvCxnSpPr/>
+          <p:nvPr/>
+        </p:nvCxnSpPr>
+        <p:spPr>
+          <a:xfrm>
+            <a:off x="3659275" y="3468925"/>
+            <a:ext cx="3079500" cy="1080000"/>
+          </a:xfrm>
+          <a:prstGeom prst="straightConnector1">
+            <a:avLst/>
+          </a:prstGeom>
+          <a:noFill/>
+          <a:ln w="28575" cap="flat" cmpd="sng">
+            <a:solidFill>
+              <a:schemeClr val="lt1"/>
+            </a:solidFill>
+            <a:prstDash val="solid"/>
+            <a:round/>
+            <a:headEnd type="none" w="med" len="med"/>
+            <a:tailEnd type="triangle" w="med" len="med"/>
+          </a:ln>
+        </p:spPr>
+      </p:cxnSp>
+      <p:cxnSp>
+        <p:nvCxnSpPr>
+          <p:cNvPr id="138" name="Google Shape;138;p17"/>
+          <p:cNvCxnSpPr/>
+          <p:nvPr/>
+        </p:nvCxnSpPr>
+        <p:spPr>
+          <a:xfrm rot="10800000">
+            <a:off x="3573675" y="3458075"/>
+            <a:ext cx="3101100" cy="1069500"/>
+          </a:xfrm>
+          <a:prstGeom prst="straightConnector1">
+            <a:avLst/>
+          </a:prstGeom>
+          <a:noFill/>
+          <a:ln w="28575" cap="flat" cmpd="sng">
+            <a:solidFill>
+              <a:schemeClr val="lt1"/>
+            </a:solidFill>
+            <a:prstDash val="solid"/>
+            <a:round/>
+            <a:headEnd type="none" w="med" len="med"/>
+            <a:tailEnd type="triangle" w="med" len="med"/>
+          </a:ln>
+        </p:spPr>
+      </p:cxnSp>
+      <p:sp>
+        <p:nvSpPr>
+          <p:cNvPr id="139" name="Google Shape;139;p17"/>
+          <p:cNvSpPr txBox="1"/>
+          <p:nvPr/>
+        </p:nvSpPr>
+        <p:spPr>
+          <a:xfrm>
+            <a:off x="7107250" y="3608475"/>
+            <a:ext cx="692700" cy="431100"/>
+          </a:xfrm>
+          <a:prstGeom prst="rect">
+            <a:avLst/>
+          </a:prstGeom>
+          <a:noFill/>
+          <a:ln>
+            <a:noFill/>
+          </a:ln>
+        </p:spPr>
+        <p:txBody>
+          <a:bodyPr spcFirstLastPara="1" wrap="square" lIns="91425" tIns="91425" rIns="91425" bIns="91425" anchor="t" anchorCtr="0">
+            <a:spAutoFit/>
+          </a:bodyPr>
+          <a:lstStyle/>
+          <a:p>
+            <a:pPr marL="0" lvl="0" indent="0" algn="l" rtl="0">
+              <a:spcBef>
+                <a:spcPts val="0"/>
+              </a:spcBef>
+              <a:spcAft>
+                <a:spcPts val="0"/>
+              </a:spcAft>
+              <a:buNone/>
+            </a:pPr>
+            <a:r>
+              <a:rPr lang="ru" sz="1600">
+                <a:solidFill>
+                  <a:schemeClr val="lt1"/>
+                </a:solidFill>
+                <a:latin typeface="Roboto"/>
+                <a:ea typeface="Roboto"/>
+                <a:cs typeface="Roboto"/>
+                <a:sym typeface="Roboto"/>
+              </a:rPr>
+              <a:t>Игра</a:t>
+            </a:r>
+            <a:endParaRPr sz="1600">
               <a:solidFill>
                 <a:schemeClr val="lt1"/>
               </a:solidFill>
@@ -10200,6 +10495,203 @@
         <p14:creationId xmlns:p14="http://schemas.microsoft.com/office/powerpoint/2010/main" val="4117414277"/>
       </p:ext>
     </p:extLst>
+  </p:cSld>
+  <p:clrMapOvr>
+    <a:masterClrMapping/>
+  </p:clrMapOvr>
+</p:sld>
+</file>
+
+<file path=ppt/slides/slide8.xml><?xml version="1.0" encoding="utf-8"?>
+<p:sld xmlns:a="http://schemas.openxmlformats.org/drawingml/2006/main" xmlns:r="http://schemas.openxmlformats.org/officeDocument/2006/relationships" xmlns:p="http://schemas.openxmlformats.org/presentationml/2006/main">
+  <p:cSld>
+    <p:spTree>
+      <p:nvGrpSpPr>
+        <p:cNvPr id="1" name="Shape 143"/>
+        <p:cNvGrpSpPr/>
+        <p:nvPr/>
+      </p:nvGrpSpPr>
+      <p:grpSpPr>
+        <a:xfrm>
+          <a:off x="0" y="0"/>
+          <a:ext cx="0" cy="0"/>
+          <a:chOff x="0" y="0"/>
+          <a:chExt cx="0" cy="0"/>
+        </a:xfrm>
+      </p:grpSpPr>
+      <p:sp>
+        <p:nvSpPr>
+          <p:cNvPr id="144" name="Google Shape;144;p18"/>
+          <p:cNvSpPr txBox="1">
+            <a:spLocks noGrp="1"/>
+          </p:cNvSpPr>
+          <p:nvPr>
+            <p:ph type="title"/>
+          </p:nvPr>
+        </p:nvSpPr>
+        <p:spPr>
+          <a:xfrm>
+            <a:off x="586500" y="1715225"/>
+            <a:ext cx="3297300" cy="1539900"/>
+          </a:xfrm>
+          <a:prstGeom prst="rect">
+            <a:avLst/>
+          </a:prstGeom>
+        </p:spPr>
+        <p:txBody>
+          <a:bodyPr spcFirstLastPara="1" wrap="square" lIns="91425" tIns="91425" rIns="91425" bIns="91425" anchor="ctr" anchorCtr="0">
+            <a:normAutofit fontScale="90000"/>
+          </a:bodyPr>
+          <a:lstStyle/>
+          <a:p>
+            <a:pPr marL="0" lvl="0" indent="0" algn="l" rtl="0">
+              <a:spcBef>
+                <a:spcPts val="0"/>
+              </a:spcBef>
+              <a:spcAft>
+                <a:spcPts val="0"/>
+              </a:spcAft>
+              <a:buNone/>
+            </a:pPr>
+            <a:r>
+              <a:rPr lang="ru"/>
+              <a:t>типа видео</a:t>
+            </a:r>
+            <a:endParaRPr/>
+          </a:p>
+        </p:txBody>
+      </p:sp>
+      <p:pic>
+        <p:nvPicPr>
+          <p:cNvPr id="145" name="Google Shape;145;p18" title="qr.PNG"/>
+          <p:cNvPicPr preferRelativeResize="0"/>
+          <p:nvPr/>
+        </p:nvPicPr>
+        <p:blipFill>
+          <a:blip r:embed="rId3">
+            <a:alphaModFix/>
+          </a:blip>
+          <a:stretch>
+            <a:fillRect/>
+          </a:stretch>
+        </p:blipFill>
+        <p:spPr>
+          <a:xfrm>
+            <a:off x="5682975" y="1279200"/>
+            <a:ext cx="2585125" cy="2585100"/>
+          </a:xfrm>
+          <a:prstGeom prst="rect">
+            <a:avLst/>
+          </a:prstGeom>
+          <a:noFill/>
+          <a:ln>
+            <a:noFill/>
+          </a:ln>
+        </p:spPr>
+      </p:pic>
+      <p:sp>
+        <p:nvSpPr>
+          <p:cNvPr id="146" name="Google Shape;146;p18"/>
+          <p:cNvSpPr txBox="1"/>
+          <p:nvPr/>
+        </p:nvSpPr>
+        <p:spPr>
+          <a:xfrm>
+            <a:off x="5761888" y="4003575"/>
+            <a:ext cx="2427300" cy="461700"/>
+          </a:xfrm>
+          <a:prstGeom prst="rect">
+            <a:avLst/>
+          </a:prstGeom>
+          <a:noFill/>
+          <a:ln>
+            <a:noFill/>
+          </a:ln>
+        </p:spPr>
+        <p:txBody>
+          <a:bodyPr spcFirstLastPara="1" wrap="square" lIns="91425" tIns="91425" rIns="91425" bIns="91425" anchor="t" anchorCtr="0">
+            <a:spAutoFit/>
+          </a:bodyPr>
+          <a:lstStyle/>
+          <a:p>
+            <a:pPr marL="0" lvl="0" indent="0" algn="l" rtl="0">
+              <a:spcBef>
+                <a:spcPts val="0"/>
+              </a:spcBef>
+              <a:spcAft>
+                <a:spcPts val="0"/>
+              </a:spcAft>
+              <a:buNone/>
+            </a:pPr>
+            <a:r>
+              <a:rPr lang="ru" sz="1800">
+                <a:solidFill>
+                  <a:schemeClr val="lt1"/>
+                </a:solidFill>
+                <a:latin typeface="Roboto"/>
+                <a:ea typeface="Roboto"/>
+                <a:cs typeface="Roboto"/>
+                <a:sym typeface="Roboto"/>
+              </a:rPr>
+              <a:t>QRcode репозитория</a:t>
+            </a:r>
+            <a:endParaRPr sz="1800">
+              <a:solidFill>
+                <a:schemeClr val="lt1"/>
+              </a:solidFill>
+              <a:latin typeface="Roboto"/>
+              <a:ea typeface="Roboto"/>
+              <a:cs typeface="Roboto"/>
+              <a:sym typeface="Roboto"/>
+            </a:endParaRPr>
+          </a:p>
+        </p:txBody>
+      </p:sp>
+      <p:sp>
+        <p:nvSpPr>
+          <p:cNvPr id="2" name="TextBox 1">
+            <a:extLst>
+              <a:ext uri="{FF2B5EF4-FFF2-40B4-BE49-F238E27FC236}">
+                <a16:creationId xmlns:a16="http://schemas.microsoft.com/office/drawing/2014/main" id="{228100E7-3463-49DB-8C89-C8CF71519C4F}"/>
+              </a:ext>
+            </a:extLst>
+          </p:cNvPr>
+          <p:cNvSpPr txBox="1"/>
+          <p:nvPr/>
+        </p:nvSpPr>
+        <p:spPr>
+          <a:xfrm>
+            <a:off x="8690847" y="4465275"/>
+            <a:ext cx="291313" cy="461665"/>
+          </a:xfrm>
+          <a:prstGeom prst="rect">
+            <a:avLst/>
+          </a:prstGeom>
+          <a:noFill/>
+        </p:spPr>
+        <p:txBody>
+          <a:bodyPr wrap="square" rtlCol="0">
+            <a:spAutoFit/>
+          </a:bodyPr>
+          <a:lstStyle/>
+          <a:p>
+            <a:r>
+              <a:rPr lang="en-US" sz="2400" b="1" dirty="0">
+                <a:solidFill>
+                  <a:schemeClr val="bg1"/>
+                </a:solidFill>
+              </a:rPr>
+              <a:t>8</a:t>
+            </a:r>
+            <a:endParaRPr lang="ru-RU" sz="2400" b="1" dirty="0">
+              <a:solidFill>
+                <a:schemeClr val="bg1"/>
+              </a:solidFill>
+            </a:endParaRPr>
+          </a:p>
+        </p:txBody>
+      </p:sp>
+    </p:spTree>
   </p:cSld>
   <p:clrMapOvr>
     <a:masterClrMapping/>
